--- a/Presentation/02-Hackathon overview.pptx
+++ b/Presentation/02-Hackathon overview.pptx
@@ -275,7 +275,7 @@
               <a:rPr lang="en-US" smtClean="0">
                 <a:latin typeface="Segoe UI" pitchFamily="34" charset="0"/>
               </a:rPr>
-              <a:t>5/31/2017 6:20 PM</a:t>
+              <a:t>6/3/2017 10:11 PM</a:t>
             </a:fld>
             <a:endParaRPr lang="en-US" dirty="0">
               <a:latin typeface="Segoe UI" pitchFamily="34" charset="0"/>
@@ -553,7 +553,7 @@
           <a:p>
             <a:fld id="{5A9E72A3-73C3-4EC0-976B-555052BC0BC2}" type="datetime8">
               <a:rPr lang="en-US" smtClean="0"/>
-              <a:t>5/31/2017 6:19 PM</a:t>
+              <a:t>6/3/2017 10:10 PM</a:t>
             </a:fld>
             <a:endParaRPr lang="en-US" dirty="0"/>
           </a:p>
@@ -882,7 +882,7 @@
           <a:p>
             <a:fld id="{506EF3E9-8989-41CF-8301-C50DFCD1A107}" type="datetime8">
               <a:rPr lang="en-US" smtClean="0"/>
-              <a:t>5/31/2017 6:19 PM</a:t>
+              <a:t>6/3/2017 10:10 PM</a:t>
             </a:fld>
             <a:endParaRPr lang="en-US" dirty="0"/>
           </a:p>
@@ -1086,7 +1086,7 @@
                   <a:prstClr val="black"/>
                 </a:solidFill>
               </a:rPr>
-              <a:t>5/31/2017 6:19 PM</a:t>
+              <a:t>6/3/2017 10:10 PM</a:t>
             </a:fld>
             <a:endParaRPr lang="en-US" dirty="0">
               <a:solidFill>
@@ -14270,10 +14270,7 @@
           <a:bodyPr/>
           <a:lstStyle/>
           <a:p>
-            <a:r>
-              <a:rPr lang="en-US" dirty="0"/>
-              <a:t>TJ Vering</a:t>
-            </a:r>
+            <a:endParaRPr lang="en-US" dirty="0"/>
           </a:p>
         </p:txBody>
       </p:sp>
@@ -14448,7 +14445,10 @@
           <a:bodyPr/>
           <a:lstStyle/>
           <a:p>
-            <a:endParaRPr lang="en-US"/>
+            <a:r>
+              <a:rPr lang="en-US" dirty="0"/>
+              <a:t>Sample Application</a:t>
+            </a:r>
           </a:p>
         </p:txBody>
       </p:sp>
@@ -14468,7 +14468,7 @@
         </p:blipFill>
         <p:spPr>
           <a:xfrm>
-            <a:off x="269876" y="1363662"/>
+            <a:off x="270602" y="1363662"/>
             <a:ext cx="9848850" cy="3108441"/>
           </a:xfrm>
           <a:prstGeom prst="rect">
@@ -14516,7 +14516,7 @@
         </p:blipFill>
         <p:spPr>
           <a:xfrm>
-            <a:off x="4160837" y="1744662"/>
+            <a:off x="4008437" y="1970206"/>
             <a:ext cx="7905064" cy="4595813"/>
           </a:xfrm>
           <a:prstGeom prst="rect">
@@ -14537,6 +14537,171 @@
   <p:transition>
     <p:fade/>
   </p:transition>
+  <p:timing>
+    <p:tnLst>
+      <p:par>
+        <p:cTn id="1" dur="indefinite" restart="never" nodeType="tmRoot">
+          <p:childTnLst>
+            <p:seq concurrent="1" nextAc="seek">
+              <p:cTn id="2" dur="indefinite" nodeType="mainSeq">
+                <p:childTnLst>
+                  <p:par>
+                    <p:cTn id="3" fill="hold">
+                      <p:stCondLst>
+                        <p:cond delay="indefinite"/>
+                      </p:stCondLst>
+                      <p:childTnLst>
+                        <p:par>
+                          <p:cTn id="4" fill="hold">
+                            <p:stCondLst>
+                              <p:cond delay="0"/>
+                            </p:stCondLst>
+                            <p:childTnLst>
+                              <p:par>
+                                <p:cTn id="5" presetID="1" presetClass="entr" presetSubtype="0" fill="hold" nodeType="clickEffect">
+                                  <p:stCondLst>
+                                    <p:cond delay="0"/>
+                                  </p:stCondLst>
+                                  <p:childTnLst>
+                                    <p:set>
+                                      <p:cBhvr>
+                                        <p:cTn id="6" dur="1" fill="hold">
+                                          <p:stCondLst>
+                                            <p:cond delay="0"/>
+                                          </p:stCondLst>
+                                        </p:cTn>
+                                        <p:tgtEl>
+                                          <p:spTgt spid="3"/>
+                                        </p:tgtEl>
+                                        <p:attrNameLst>
+                                          <p:attrName>style.visibility</p:attrName>
+                                        </p:attrNameLst>
+                                      </p:cBhvr>
+                                      <p:to>
+                                        <p:strVal val="visible"/>
+                                      </p:to>
+                                    </p:set>
+                                  </p:childTnLst>
+                                </p:cTn>
+                              </p:par>
+                            </p:childTnLst>
+                          </p:cTn>
+                        </p:par>
+                      </p:childTnLst>
+                    </p:cTn>
+                  </p:par>
+                  <p:par>
+                    <p:cTn id="7" fill="hold">
+                      <p:stCondLst>
+                        <p:cond delay="indefinite"/>
+                      </p:stCondLst>
+                      <p:childTnLst>
+                        <p:par>
+                          <p:cTn id="8" fill="hold">
+                            <p:stCondLst>
+                              <p:cond delay="0"/>
+                            </p:stCondLst>
+                            <p:childTnLst>
+                              <p:par>
+                                <p:cTn id="9" presetID="1" presetClass="entr" presetSubtype="0" fill="hold" nodeType="clickEffect">
+                                  <p:stCondLst>
+                                    <p:cond delay="0"/>
+                                  </p:stCondLst>
+                                  <p:childTnLst>
+                                    <p:set>
+                                      <p:cBhvr>
+                                        <p:cTn id="10" dur="1" fill="hold">
+                                          <p:stCondLst>
+                                            <p:cond delay="0"/>
+                                          </p:stCondLst>
+                                        </p:cTn>
+                                        <p:tgtEl>
+                                          <p:spTgt spid="4"/>
+                                        </p:tgtEl>
+                                        <p:attrNameLst>
+                                          <p:attrName>style.visibility</p:attrName>
+                                        </p:attrNameLst>
+                                      </p:cBhvr>
+                                      <p:to>
+                                        <p:strVal val="visible"/>
+                                      </p:to>
+                                    </p:set>
+                                  </p:childTnLst>
+                                </p:cTn>
+                              </p:par>
+                            </p:childTnLst>
+                          </p:cTn>
+                        </p:par>
+                      </p:childTnLst>
+                    </p:cTn>
+                  </p:par>
+                  <p:par>
+                    <p:cTn id="11" fill="hold">
+                      <p:stCondLst>
+                        <p:cond delay="indefinite"/>
+                      </p:stCondLst>
+                      <p:childTnLst>
+                        <p:par>
+                          <p:cTn id="12" fill="hold">
+                            <p:stCondLst>
+                              <p:cond delay="0"/>
+                            </p:stCondLst>
+                            <p:childTnLst>
+                              <p:par>
+                                <p:cTn id="13" presetID="1" presetClass="entr" presetSubtype="0" fill="hold" nodeType="clickEffect">
+                                  <p:stCondLst>
+                                    <p:cond delay="0"/>
+                                  </p:stCondLst>
+                                  <p:childTnLst>
+                                    <p:set>
+                                      <p:cBhvr>
+                                        <p:cTn id="14" dur="1" fill="hold">
+                                          <p:stCondLst>
+                                            <p:cond delay="0"/>
+                                          </p:stCondLst>
+                                        </p:cTn>
+                                        <p:tgtEl>
+                                          <p:spTgt spid="5"/>
+                                        </p:tgtEl>
+                                        <p:attrNameLst>
+                                          <p:attrName>style.visibility</p:attrName>
+                                        </p:attrNameLst>
+                                      </p:cBhvr>
+                                      <p:to>
+                                        <p:strVal val="visible"/>
+                                      </p:to>
+                                    </p:set>
+                                  </p:childTnLst>
+                                </p:cTn>
+                              </p:par>
+                            </p:childTnLst>
+                          </p:cTn>
+                        </p:par>
+                      </p:childTnLst>
+                    </p:cTn>
+                  </p:par>
+                </p:childTnLst>
+              </p:cTn>
+              <p:prevCondLst>
+                <p:cond evt="onPrev" delay="0">
+                  <p:tgtEl>
+                    <p:sldTgt/>
+                  </p:tgtEl>
+                </p:cond>
+              </p:prevCondLst>
+              <p:nextCondLst>
+                <p:cond evt="onNext" delay="0">
+                  <p:tgtEl>
+                    <p:sldTgt/>
+                  </p:tgtEl>
+                </p:cond>
+              </p:nextCondLst>
+            </p:seq>
+          </p:childTnLst>
+        </p:cTn>
+      </p:par>
+    </p:tnLst>
+  </p:timing>
 </p:sld>
 </file>
 
@@ -15855,6 +16020,21 @@
 </file>
 
 <file path=customXml/item1.xml><?xml version="1.0" encoding="utf-8"?>
+<p:properties xmlns:p="http://schemas.microsoft.com/office/2006/metadata/properties" xmlns:xsi="http://www.w3.org/2001/XMLSchema-instance" xmlns:pc="http://schemas.microsoft.com/office/infopath/2007/PartnerControls">
+  <documentManagement/>
+</p:properties>
+</file>
+
+<file path=customXml/item2.xml><?xml version="1.0" encoding="utf-8"?>
+<?mso-contentType ?>
+<FormTemplates xmlns="http://schemas.microsoft.com/sharepoint/v3/contenttype/forms">
+  <Display>DocumentLibraryForm</Display>
+  <Edit>DocumentLibraryForm</Edit>
+  <New>DocumentLibraryForm</New>
+</FormTemplates>
+</file>
+
+<file path=customXml/item3.xml><?xml version="1.0" encoding="utf-8"?>
 <ct:contentTypeSchema xmlns:ct="http://schemas.microsoft.com/office/2006/metadata/contentType" xmlns:ma="http://schemas.microsoft.com/office/2006/metadata/properties/metaAttributes" ct:_="" ma:_="" ma:contentTypeName="Document" ma:contentTypeID="0x010100A2B0BB5962AB3C45A9A1CE1EC4C4F647" ma:contentTypeVersion="3" ma:contentTypeDescription="Create a new document." ma:contentTypeScope="" ma:versionID="f0876370c90de824ab54c09b0bd2a056">
   <xsd:schema xmlns:xsd="http://www.w3.org/2001/XMLSchema" xmlns:xs="http://www.w3.org/2001/XMLSchema" xmlns:p="http://schemas.microsoft.com/office/2006/metadata/properties" xmlns:ns3="630a2e83-186a-4a0f-ab27-bee8a8096abc" targetNamespace="http://schemas.microsoft.com/office/2006/metadata/properties" ma:root="true" ma:fieldsID="a2a3b5ed8b4accd7c8a398d0cb075271" ns3:_="">
     <xsd:import namespace="630a2e83-186a-4a0f-ab27-bee8a8096abc"/>
@@ -16008,22 +16188,31 @@
 </ct:contentTypeSchema>
 </file>
 
-<file path=customXml/item2.xml><?xml version="1.0" encoding="utf-8"?>
-<?mso-contentType ?>
-<FormTemplates xmlns="http://schemas.microsoft.com/sharepoint/v3/contenttype/forms">
-  <Display>DocumentLibraryForm</Display>
-  <Edit>DocumentLibraryForm</Edit>
-  <New>DocumentLibraryForm</New>
-</FormTemplates>
+<file path=customXml/itemProps1.xml><?xml version="1.0" encoding="utf-8"?>
+<ds:datastoreItem xmlns:ds="http://schemas.openxmlformats.org/officeDocument/2006/customXml" ds:itemID="{F990F116-B58F-4255-B05B-DA3808E0E5C6}">
+  <ds:schemaRefs>
+    <ds:schemaRef ds:uri="http://schemas.openxmlformats.org/package/2006/metadata/core-properties"/>
+    <ds:schemaRef ds:uri="630a2e83-186a-4a0f-ab27-bee8a8096abc"/>
+    <ds:schemaRef ds:uri="http://schemas.microsoft.com/office/2006/documentManagement/types"/>
+    <ds:schemaRef ds:uri="http://schemas.microsoft.com/office/infopath/2007/PartnerControls"/>
+    <ds:schemaRef ds:uri="http://purl.org/dc/elements/1.1/"/>
+    <ds:schemaRef ds:uri="http://schemas.microsoft.com/office/2006/metadata/properties"/>
+    <ds:schemaRef ds:uri="http://purl.org/dc/terms/"/>
+    <ds:schemaRef ds:uri="http://www.w3.org/XML/1998/namespace"/>
+    <ds:schemaRef ds:uri="http://purl.org/dc/dcmitype/"/>
+  </ds:schemaRefs>
+</ds:datastoreItem>
 </file>
 
-<file path=customXml/item3.xml><?xml version="1.0" encoding="utf-8"?>
-<p:properties xmlns:p="http://schemas.microsoft.com/office/2006/metadata/properties" xmlns:xsi="http://www.w3.org/2001/XMLSchema-instance" xmlns:pc="http://schemas.microsoft.com/office/infopath/2007/PartnerControls">
-  <documentManagement/>
-</p:properties>
+<file path=customXml/itemProps2.xml><?xml version="1.0" encoding="utf-8"?>
+<ds:datastoreItem xmlns:ds="http://schemas.openxmlformats.org/officeDocument/2006/customXml" ds:itemID="{758FDAC0-319D-4A54-8D8E-1D42CB1F8004}">
+  <ds:schemaRefs>
+    <ds:schemaRef ds:uri="http://schemas.microsoft.com/sharepoint/v3/contenttype/forms"/>
+  </ds:schemaRefs>
+</ds:datastoreItem>
 </file>
 
-<file path=customXml/itemProps1.xml><?xml version="1.0" encoding="utf-8"?>
+<file path=customXml/itemProps3.xml><?xml version="1.0" encoding="utf-8"?>
 <ds:datastoreItem xmlns:ds="http://schemas.openxmlformats.org/officeDocument/2006/customXml" ds:itemID="{F4553072-E538-48C4-90FC-3653F32D67C5}">
   <ds:schemaRefs>
     <ds:schemaRef ds:uri="http://schemas.microsoft.com/office/2006/metadata/contentType"/>
@@ -16039,28 +16228,4 @@
     <ds:schemaRef ds:uri="http://schemas.microsoft.com/internal/obd"/>
   </ds:schemaRefs>
 </ds:datastoreItem>
-</file>
-
-<file path=customXml/itemProps2.xml><?xml version="1.0" encoding="utf-8"?>
-<ds:datastoreItem xmlns:ds="http://schemas.openxmlformats.org/officeDocument/2006/customXml" ds:itemID="{758FDAC0-319D-4A54-8D8E-1D42CB1F8004}">
-  <ds:schemaRefs>
-    <ds:schemaRef ds:uri="http://schemas.microsoft.com/sharepoint/v3/contenttype/forms"/>
-  </ds:schemaRefs>
-</ds:datastoreItem>
-</file>
-
-<file path=customXml/itemProps3.xml><?xml version="1.0" encoding="utf-8"?>
-<ds:datastoreItem xmlns:ds="http://schemas.openxmlformats.org/officeDocument/2006/customXml" ds:itemID="{F990F116-B58F-4255-B05B-DA3808E0E5C6}">
-  <ds:schemaRefs>
-    <ds:schemaRef ds:uri="http://schemas.openxmlformats.org/package/2006/metadata/core-properties"/>
-    <ds:schemaRef ds:uri="630a2e83-186a-4a0f-ab27-bee8a8096abc"/>
-    <ds:schemaRef ds:uri="http://schemas.microsoft.com/office/2006/documentManagement/types"/>
-    <ds:schemaRef ds:uri="http://schemas.microsoft.com/office/infopath/2007/PartnerControls"/>
-    <ds:schemaRef ds:uri="http://purl.org/dc/elements/1.1/"/>
-    <ds:schemaRef ds:uri="http://schemas.microsoft.com/office/2006/metadata/properties"/>
-    <ds:schemaRef ds:uri="http://purl.org/dc/terms/"/>
-    <ds:schemaRef ds:uri="http://www.w3.org/XML/1998/namespace"/>
-    <ds:schemaRef ds:uri="http://purl.org/dc/dcmitype/"/>
-  </ds:schemaRefs>
-</ds:datastoreItem>
 </file>